--- a/ppt 16-9/0296.教会真意.pptx
+++ b/ppt 16-9/0296.教会真意.pptx
@@ -5,7 +5,7 @@
     <p:sldMasterId id="2147483648" r:id="rId1"/>
   </p:sldMasterIdLst>
   <p:sldIdLst>
-    <p:sldId id="3171" r:id="rId2"/>
+    <p:sldId id="3172" r:id="rId2"/>
   </p:sldIdLst>
   <p:sldSz cx="12192000" cy="6858000"/>
   <p:notesSz cx="6858000" cy="9144000"/>
@@ -129,7 +129,7 @@
           <p:cNvPr id="2" name="标题 1">
             <a:extLst>
               <a:ext uri="{FF2B5EF4-FFF2-40B4-BE49-F238E27FC236}">
-                <a16:creationId xmlns:a16="http://schemas.microsoft.com/office/drawing/2014/main" id="{FB7FB093-AD57-3D16-FD63-8D5AA834F2DC}"/>
+                <a16:creationId xmlns:a16="http://schemas.microsoft.com/office/drawing/2014/main" id="{9678FE24-4D15-2B3F-B2A5-D7BA8C0E8EBD}"/>
               </a:ext>
             </a:extLst>
           </p:cNvPr>
@@ -166,7 +166,7 @@
           <p:cNvPr id="3" name="副标题 2">
             <a:extLst>
               <a:ext uri="{FF2B5EF4-FFF2-40B4-BE49-F238E27FC236}">
-                <a16:creationId xmlns:a16="http://schemas.microsoft.com/office/drawing/2014/main" id="{E56FB8CC-F6DF-5FE2-674F-B2B50ADF0715}"/>
+                <a16:creationId xmlns:a16="http://schemas.microsoft.com/office/drawing/2014/main" id="{25A4EC1B-EE4E-FF27-645F-D64AB5F995E9}"/>
               </a:ext>
             </a:extLst>
           </p:cNvPr>
@@ -236,7 +236,7 @@
           <p:cNvPr id="4" name="日期占位符 3">
             <a:extLst>
               <a:ext uri="{FF2B5EF4-FFF2-40B4-BE49-F238E27FC236}">
-                <a16:creationId xmlns:a16="http://schemas.microsoft.com/office/drawing/2014/main" id="{3725228D-0059-61EE-E76A-B75602B2F1CA}"/>
+                <a16:creationId xmlns:a16="http://schemas.microsoft.com/office/drawing/2014/main" id="{218E27A8-7609-3813-3A69-9CC251FC71E4}"/>
               </a:ext>
             </a:extLst>
           </p:cNvPr>
@@ -252,7 +252,7 @@
           <a:bodyPr/>
           <a:lstStyle/>
           <a:p>
-            <a:fld id="{E2DB37CE-C4F0-4C97-A32F-4E13B9F0BBC8}" type="datetimeFigureOut">
+            <a:fld id="{46E946B7-374A-4E21-AA45-258B14E10C3D}" type="datetimeFigureOut">
               <a:rPr lang="zh-CN" altLang="en-US" smtClean="0"/>
               <a:t>2024/3/10</a:t>
             </a:fld>
@@ -265,7 +265,7 @@
           <p:cNvPr id="5" name="页脚占位符 4">
             <a:extLst>
               <a:ext uri="{FF2B5EF4-FFF2-40B4-BE49-F238E27FC236}">
-                <a16:creationId xmlns:a16="http://schemas.microsoft.com/office/drawing/2014/main" id="{9B66B560-9C08-2FBF-F825-3A2AD24BF73D}"/>
+                <a16:creationId xmlns:a16="http://schemas.microsoft.com/office/drawing/2014/main" id="{5026A82F-D08C-2804-5BC8-623BBAF65338}"/>
               </a:ext>
             </a:extLst>
           </p:cNvPr>
@@ -290,7 +290,7 @@
           <p:cNvPr id="6" name="灯片编号占位符 5">
             <a:extLst>
               <a:ext uri="{FF2B5EF4-FFF2-40B4-BE49-F238E27FC236}">
-                <a16:creationId xmlns:a16="http://schemas.microsoft.com/office/drawing/2014/main" id="{C6D1EA4C-20A1-1004-7244-B7719477A3D4}"/>
+                <a16:creationId xmlns:a16="http://schemas.microsoft.com/office/drawing/2014/main" id="{253A7AB8-A546-93B0-3A9D-446CB833D389}"/>
               </a:ext>
             </a:extLst>
           </p:cNvPr>
@@ -306,7 +306,7 @@
           <a:bodyPr/>
           <a:lstStyle/>
           <a:p>
-            <a:fld id="{6D7519C7-3A77-43BD-B444-800E95E21000}" type="slidenum">
+            <a:fld id="{2E99006E-B8A7-4AEF-8733-87FF12F10A26}" type="slidenum">
               <a:rPr lang="zh-CN" altLang="en-US" smtClean="0"/>
               <a:t>‹#›</a:t>
             </a:fld>
@@ -317,7 +317,7 @@
     </p:spTree>
     <p:extLst>
       <p:ext uri="{BB962C8B-B14F-4D97-AF65-F5344CB8AC3E}">
-        <p14:creationId xmlns:p14="http://schemas.microsoft.com/office/powerpoint/2010/main" val="4238249137"/>
+        <p14:creationId xmlns:p14="http://schemas.microsoft.com/office/powerpoint/2010/main" val="939351555"/>
       </p:ext>
     </p:extLst>
   </p:cSld>
@@ -349,7 +349,7 @@
           <p:cNvPr id="2" name="标题 1">
             <a:extLst>
               <a:ext uri="{FF2B5EF4-FFF2-40B4-BE49-F238E27FC236}">
-                <a16:creationId xmlns:a16="http://schemas.microsoft.com/office/drawing/2014/main" id="{833FBC51-985D-36F0-3E67-28789021B84C}"/>
+                <a16:creationId xmlns:a16="http://schemas.microsoft.com/office/drawing/2014/main" id="{E50A4C4A-B579-DFE4-678E-2A0FF38ADD05}"/>
               </a:ext>
             </a:extLst>
           </p:cNvPr>
@@ -377,7 +377,7 @@
           <p:cNvPr id="3" name="竖排文字占位符 2">
             <a:extLst>
               <a:ext uri="{FF2B5EF4-FFF2-40B4-BE49-F238E27FC236}">
-                <a16:creationId xmlns:a16="http://schemas.microsoft.com/office/drawing/2014/main" id="{259A7B29-FEB2-C0FC-9DCF-9120C42C9CD8}"/>
+                <a16:creationId xmlns:a16="http://schemas.microsoft.com/office/drawing/2014/main" id="{640B1C39-C58E-302C-0082-12CBF715A757}"/>
               </a:ext>
             </a:extLst>
           </p:cNvPr>
@@ -434,7 +434,7 @@
           <p:cNvPr id="4" name="日期占位符 3">
             <a:extLst>
               <a:ext uri="{FF2B5EF4-FFF2-40B4-BE49-F238E27FC236}">
-                <a16:creationId xmlns:a16="http://schemas.microsoft.com/office/drawing/2014/main" id="{2A4D322F-A3B2-FE1A-DB6D-981E35BCA432}"/>
+                <a16:creationId xmlns:a16="http://schemas.microsoft.com/office/drawing/2014/main" id="{EE12710F-D275-780B-59E4-E7C877EB5502}"/>
               </a:ext>
             </a:extLst>
           </p:cNvPr>
@@ -450,7 +450,7 @@
           <a:bodyPr/>
           <a:lstStyle/>
           <a:p>
-            <a:fld id="{E2DB37CE-C4F0-4C97-A32F-4E13B9F0BBC8}" type="datetimeFigureOut">
+            <a:fld id="{46E946B7-374A-4E21-AA45-258B14E10C3D}" type="datetimeFigureOut">
               <a:rPr lang="zh-CN" altLang="en-US" smtClean="0"/>
               <a:t>2024/3/10</a:t>
             </a:fld>
@@ -463,7 +463,7 @@
           <p:cNvPr id="5" name="页脚占位符 4">
             <a:extLst>
               <a:ext uri="{FF2B5EF4-FFF2-40B4-BE49-F238E27FC236}">
-                <a16:creationId xmlns:a16="http://schemas.microsoft.com/office/drawing/2014/main" id="{FB54314C-57E3-043E-44E7-A3468910ABD5}"/>
+                <a16:creationId xmlns:a16="http://schemas.microsoft.com/office/drawing/2014/main" id="{EFAB0B06-0E57-7777-9CB1-5424BF975F01}"/>
               </a:ext>
             </a:extLst>
           </p:cNvPr>
@@ -488,7 +488,7 @@
           <p:cNvPr id="6" name="灯片编号占位符 5">
             <a:extLst>
               <a:ext uri="{FF2B5EF4-FFF2-40B4-BE49-F238E27FC236}">
-                <a16:creationId xmlns:a16="http://schemas.microsoft.com/office/drawing/2014/main" id="{7DF7739E-7202-DDFD-1601-1E781A0B3FA7}"/>
+                <a16:creationId xmlns:a16="http://schemas.microsoft.com/office/drawing/2014/main" id="{236C6458-1060-30F4-C544-D8A0109A6FC3}"/>
               </a:ext>
             </a:extLst>
           </p:cNvPr>
@@ -504,7 +504,7 @@
           <a:bodyPr/>
           <a:lstStyle/>
           <a:p>
-            <a:fld id="{6D7519C7-3A77-43BD-B444-800E95E21000}" type="slidenum">
+            <a:fld id="{2E99006E-B8A7-4AEF-8733-87FF12F10A26}" type="slidenum">
               <a:rPr lang="zh-CN" altLang="en-US" smtClean="0"/>
               <a:t>‹#›</a:t>
             </a:fld>
@@ -515,7 +515,7 @@
     </p:spTree>
     <p:extLst>
       <p:ext uri="{BB962C8B-B14F-4D97-AF65-F5344CB8AC3E}">
-        <p14:creationId xmlns:p14="http://schemas.microsoft.com/office/powerpoint/2010/main" val="1962742122"/>
+        <p14:creationId xmlns:p14="http://schemas.microsoft.com/office/powerpoint/2010/main" val="3078005501"/>
       </p:ext>
     </p:extLst>
   </p:cSld>
@@ -547,7 +547,7 @@
           <p:cNvPr id="2" name="竖排标题 1">
             <a:extLst>
               <a:ext uri="{FF2B5EF4-FFF2-40B4-BE49-F238E27FC236}">
-                <a16:creationId xmlns:a16="http://schemas.microsoft.com/office/drawing/2014/main" id="{E41C9642-9005-25D7-3543-1F6F78B2A1A6}"/>
+                <a16:creationId xmlns:a16="http://schemas.microsoft.com/office/drawing/2014/main" id="{7291F1D6-E1A8-D2AA-4818-DD724B04935D}"/>
               </a:ext>
             </a:extLst>
           </p:cNvPr>
@@ -580,7 +580,7 @@
           <p:cNvPr id="3" name="竖排文字占位符 2">
             <a:extLst>
               <a:ext uri="{FF2B5EF4-FFF2-40B4-BE49-F238E27FC236}">
-                <a16:creationId xmlns:a16="http://schemas.microsoft.com/office/drawing/2014/main" id="{FCFA911C-44E9-744C-E49E-AD6894CF710F}"/>
+                <a16:creationId xmlns:a16="http://schemas.microsoft.com/office/drawing/2014/main" id="{8BBAA26B-AFB8-3EA5-5868-54E0657B53E8}"/>
               </a:ext>
             </a:extLst>
           </p:cNvPr>
@@ -642,7 +642,7 @@
           <p:cNvPr id="4" name="日期占位符 3">
             <a:extLst>
               <a:ext uri="{FF2B5EF4-FFF2-40B4-BE49-F238E27FC236}">
-                <a16:creationId xmlns:a16="http://schemas.microsoft.com/office/drawing/2014/main" id="{24F1748D-D02E-4B52-DB62-F9EC4346D7C9}"/>
+                <a16:creationId xmlns:a16="http://schemas.microsoft.com/office/drawing/2014/main" id="{12A90BA6-ED35-E10B-5EF4-E9BB990BA658}"/>
               </a:ext>
             </a:extLst>
           </p:cNvPr>
@@ -658,7 +658,7 @@
           <a:bodyPr/>
           <a:lstStyle/>
           <a:p>
-            <a:fld id="{E2DB37CE-C4F0-4C97-A32F-4E13B9F0BBC8}" type="datetimeFigureOut">
+            <a:fld id="{46E946B7-374A-4E21-AA45-258B14E10C3D}" type="datetimeFigureOut">
               <a:rPr lang="zh-CN" altLang="en-US" smtClean="0"/>
               <a:t>2024/3/10</a:t>
             </a:fld>
@@ -671,7 +671,7 @@
           <p:cNvPr id="5" name="页脚占位符 4">
             <a:extLst>
               <a:ext uri="{FF2B5EF4-FFF2-40B4-BE49-F238E27FC236}">
-                <a16:creationId xmlns:a16="http://schemas.microsoft.com/office/drawing/2014/main" id="{59FA3FB9-A99E-C545-935B-3ABC0A5DB13F}"/>
+                <a16:creationId xmlns:a16="http://schemas.microsoft.com/office/drawing/2014/main" id="{05030DB1-CB0B-C38B-692D-5A0C77054512}"/>
               </a:ext>
             </a:extLst>
           </p:cNvPr>
@@ -696,7 +696,7 @@
           <p:cNvPr id="6" name="灯片编号占位符 5">
             <a:extLst>
               <a:ext uri="{FF2B5EF4-FFF2-40B4-BE49-F238E27FC236}">
-                <a16:creationId xmlns:a16="http://schemas.microsoft.com/office/drawing/2014/main" id="{224EAB90-FD23-9B08-2720-D1367D34CC29}"/>
+                <a16:creationId xmlns:a16="http://schemas.microsoft.com/office/drawing/2014/main" id="{74A3F831-36D9-C381-1975-C8C892F9DB70}"/>
               </a:ext>
             </a:extLst>
           </p:cNvPr>
@@ -712,7 +712,7 @@
           <a:bodyPr/>
           <a:lstStyle/>
           <a:p>
-            <a:fld id="{6D7519C7-3A77-43BD-B444-800E95E21000}" type="slidenum">
+            <a:fld id="{2E99006E-B8A7-4AEF-8733-87FF12F10A26}" type="slidenum">
               <a:rPr lang="zh-CN" altLang="en-US" smtClean="0"/>
               <a:t>‹#›</a:t>
             </a:fld>
@@ -723,7 +723,7 @@
     </p:spTree>
     <p:extLst>
       <p:ext uri="{BB962C8B-B14F-4D97-AF65-F5344CB8AC3E}">
-        <p14:creationId xmlns:p14="http://schemas.microsoft.com/office/powerpoint/2010/main" val="1912405919"/>
+        <p14:creationId xmlns:p14="http://schemas.microsoft.com/office/powerpoint/2010/main" val="2265362472"/>
       </p:ext>
     </p:extLst>
   </p:cSld>
@@ -755,7 +755,7 @@
           <p:cNvPr id="2" name="标题 1">
             <a:extLst>
               <a:ext uri="{FF2B5EF4-FFF2-40B4-BE49-F238E27FC236}">
-                <a16:creationId xmlns:a16="http://schemas.microsoft.com/office/drawing/2014/main" id="{5DC633B5-46F8-3688-2C6F-64A23FC13EE0}"/>
+                <a16:creationId xmlns:a16="http://schemas.microsoft.com/office/drawing/2014/main" id="{CC7D2495-E929-C304-ED8A-A2524190B2A1}"/>
               </a:ext>
             </a:extLst>
           </p:cNvPr>
@@ -783,7 +783,7 @@
           <p:cNvPr id="3" name="内容占位符 2">
             <a:extLst>
               <a:ext uri="{FF2B5EF4-FFF2-40B4-BE49-F238E27FC236}">
-                <a16:creationId xmlns:a16="http://schemas.microsoft.com/office/drawing/2014/main" id="{A95A7F8A-5CCB-049D-D156-1C41F45A67C5}"/>
+                <a16:creationId xmlns:a16="http://schemas.microsoft.com/office/drawing/2014/main" id="{28AE95BC-7610-F8EE-0803-14F1E557AC77}"/>
               </a:ext>
             </a:extLst>
           </p:cNvPr>
@@ -840,7 +840,7 @@
           <p:cNvPr id="4" name="日期占位符 3">
             <a:extLst>
               <a:ext uri="{FF2B5EF4-FFF2-40B4-BE49-F238E27FC236}">
-                <a16:creationId xmlns:a16="http://schemas.microsoft.com/office/drawing/2014/main" id="{701D50CB-B0A9-58CA-2C4A-0891EC219C57}"/>
+                <a16:creationId xmlns:a16="http://schemas.microsoft.com/office/drawing/2014/main" id="{5F926B61-F4AC-4DEE-08AD-DBD2E738E401}"/>
               </a:ext>
             </a:extLst>
           </p:cNvPr>
@@ -856,7 +856,7 @@
           <a:bodyPr/>
           <a:lstStyle/>
           <a:p>
-            <a:fld id="{E2DB37CE-C4F0-4C97-A32F-4E13B9F0BBC8}" type="datetimeFigureOut">
+            <a:fld id="{46E946B7-374A-4E21-AA45-258B14E10C3D}" type="datetimeFigureOut">
               <a:rPr lang="zh-CN" altLang="en-US" smtClean="0"/>
               <a:t>2024/3/10</a:t>
             </a:fld>
@@ -869,7 +869,7 @@
           <p:cNvPr id="5" name="页脚占位符 4">
             <a:extLst>
               <a:ext uri="{FF2B5EF4-FFF2-40B4-BE49-F238E27FC236}">
-                <a16:creationId xmlns:a16="http://schemas.microsoft.com/office/drawing/2014/main" id="{F1214F66-28F3-FCA5-A405-85CE82B89CFE}"/>
+                <a16:creationId xmlns:a16="http://schemas.microsoft.com/office/drawing/2014/main" id="{5835A5F9-AE69-8494-5D05-C60CE83AB4E3}"/>
               </a:ext>
             </a:extLst>
           </p:cNvPr>
@@ -894,7 +894,7 @@
           <p:cNvPr id="6" name="灯片编号占位符 5">
             <a:extLst>
               <a:ext uri="{FF2B5EF4-FFF2-40B4-BE49-F238E27FC236}">
-                <a16:creationId xmlns:a16="http://schemas.microsoft.com/office/drawing/2014/main" id="{4A37694B-500D-ACAF-A1ED-11887A6DF886}"/>
+                <a16:creationId xmlns:a16="http://schemas.microsoft.com/office/drawing/2014/main" id="{32F08EAD-3AB9-1282-8F43-9A9DA3E1A93A}"/>
               </a:ext>
             </a:extLst>
           </p:cNvPr>
@@ -910,7 +910,7 @@
           <a:bodyPr/>
           <a:lstStyle/>
           <a:p>
-            <a:fld id="{6D7519C7-3A77-43BD-B444-800E95E21000}" type="slidenum">
+            <a:fld id="{2E99006E-B8A7-4AEF-8733-87FF12F10A26}" type="slidenum">
               <a:rPr lang="zh-CN" altLang="en-US" smtClean="0"/>
               <a:t>‹#›</a:t>
             </a:fld>
@@ -921,7 +921,7 @@
     </p:spTree>
     <p:extLst>
       <p:ext uri="{BB962C8B-B14F-4D97-AF65-F5344CB8AC3E}">
-        <p14:creationId xmlns:p14="http://schemas.microsoft.com/office/powerpoint/2010/main" val="4168677738"/>
+        <p14:creationId xmlns:p14="http://schemas.microsoft.com/office/powerpoint/2010/main" val="4052045162"/>
       </p:ext>
     </p:extLst>
   </p:cSld>
@@ -953,7 +953,7 @@
           <p:cNvPr id="2" name="标题 1">
             <a:extLst>
               <a:ext uri="{FF2B5EF4-FFF2-40B4-BE49-F238E27FC236}">
-                <a16:creationId xmlns:a16="http://schemas.microsoft.com/office/drawing/2014/main" id="{0875C92E-3C78-B910-C869-09E314733FDC}"/>
+                <a16:creationId xmlns:a16="http://schemas.microsoft.com/office/drawing/2014/main" id="{C2F6657B-13A5-6B0F-DC50-C84C9F6FF9F4}"/>
               </a:ext>
             </a:extLst>
           </p:cNvPr>
@@ -990,7 +990,7 @@
           <p:cNvPr id="3" name="文本占位符 2">
             <a:extLst>
               <a:ext uri="{FF2B5EF4-FFF2-40B4-BE49-F238E27FC236}">
-                <a16:creationId xmlns:a16="http://schemas.microsoft.com/office/drawing/2014/main" id="{4435D432-BDA3-91A2-016D-D7E67DA0CC13}"/>
+                <a16:creationId xmlns:a16="http://schemas.microsoft.com/office/drawing/2014/main" id="{9A482A5E-E519-C855-A436-7CC29E9BACF8}"/>
               </a:ext>
             </a:extLst>
           </p:cNvPr>
@@ -1115,7 +1115,7 @@
           <p:cNvPr id="4" name="日期占位符 3">
             <a:extLst>
               <a:ext uri="{FF2B5EF4-FFF2-40B4-BE49-F238E27FC236}">
-                <a16:creationId xmlns:a16="http://schemas.microsoft.com/office/drawing/2014/main" id="{94B44D8E-C60F-16E9-17DA-E2AA66315ADE}"/>
+                <a16:creationId xmlns:a16="http://schemas.microsoft.com/office/drawing/2014/main" id="{368B493D-7B76-8ED2-8695-FEC98B2FD334}"/>
               </a:ext>
             </a:extLst>
           </p:cNvPr>
@@ -1131,7 +1131,7 @@
           <a:bodyPr/>
           <a:lstStyle/>
           <a:p>
-            <a:fld id="{E2DB37CE-C4F0-4C97-A32F-4E13B9F0BBC8}" type="datetimeFigureOut">
+            <a:fld id="{46E946B7-374A-4E21-AA45-258B14E10C3D}" type="datetimeFigureOut">
               <a:rPr lang="zh-CN" altLang="en-US" smtClean="0"/>
               <a:t>2024/3/10</a:t>
             </a:fld>
@@ -1144,7 +1144,7 @@
           <p:cNvPr id="5" name="页脚占位符 4">
             <a:extLst>
               <a:ext uri="{FF2B5EF4-FFF2-40B4-BE49-F238E27FC236}">
-                <a16:creationId xmlns:a16="http://schemas.microsoft.com/office/drawing/2014/main" id="{18678789-3725-CF21-43F1-CEC5DD7666E7}"/>
+                <a16:creationId xmlns:a16="http://schemas.microsoft.com/office/drawing/2014/main" id="{38F847B9-7A9A-638A-A815-36113138CAB8}"/>
               </a:ext>
             </a:extLst>
           </p:cNvPr>
@@ -1169,7 +1169,7 @@
           <p:cNvPr id="6" name="灯片编号占位符 5">
             <a:extLst>
               <a:ext uri="{FF2B5EF4-FFF2-40B4-BE49-F238E27FC236}">
-                <a16:creationId xmlns:a16="http://schemas.microsoft.com/office/drawing/2014/main" id="{4859E490-C805-3221-CC88-05D79282D482}"/>
+                <a16:creationId xmlns:a16="http://schemas.microsoft.com/office/drawing/2014/main" id="{12160076-B68F-0D11-1443-612270BEEC53}"/>
               </a:ext>
             </a:extLst>
           </p:cNvPr>
@@ -1185,7 +1185,7 @@
           <a:bodyPr/>
           <a:lstStyle/>
           <a:p>
-            <a:fld id="{6D7519C7-3A77-43BD-B444-800E95E21000}" type="slidenum">
+            <a:fld id="{2E99006E-B8A7-4AEF-8733-87FF12F10A26}" type="slidenum">
               <a:rPr lang="zh-CN" altLang="en-US" smtClean="0"/>
               <a:t>‹#›</a:t>
             </a:fld>
@@ -1196,7 +1196,7 @@
     </p:spTree>
     <p:extLst>
       <p:ext uri="{BB962C8B-B14F-4D97-AF65-F5344CB8AC3E}">
-        <p14:creationId xmlns:p14="http://schemas.microsoft.com/office/powerpoint/2010/main" val="2607754390"/>
+        <p14:creationId xmlns:p14="http://schemas.microsoft.com/office/powerpoint/2010/main" val="3688289489"/>
       </p:ext>
     </p:extLst>
   </p:cSld>
@@ -1228,7 +1228,7 @@
           <p:cNvPr id="2" name="标题 1">
             <a:extLst>
               <a:ext uri="{FF2B5EF4-FFF2-40B4-BE49-F238E27FC236}">
-                <a16:creationId xmlns:a16="http://schemas.microsoft.com/office/drawing/2014/main" id="{DE0D4623-E2A1-BD21-7668-D471C16AF0CE}"/>
+                <a16:creationId xmlns:a16="http://schemas.microsoft.com/office/drawing/2014/main" id="{895E8E81-58C7-CE26-E73E-3DA5606DFB33}"/>
               </a:ext>
             </a:extLst>
           </p:cNvPr>
@@ -1256,7 +1256,7 @@
           <p:cNvPr id="3" name="内容占位符 2">
             <a:extLst>
               <a:ext uri="{FF2B5EF4-FFF2-40B4-BE49-F238E27FC236}">
-                <a16:creationId xmlns:a16="http://schemas.microsoft.com/office/drawing/2014/main" id="{E7A7B857-F996-7B1C-29D5-E641E3A3A77A}"/>
+                <a16:creationId xmlns:a16="http://schemas.microsoft.com/office/drawing/2014/main" id="{C6F69FB1-7061-1A2E-7CB2-FF527DC19691}"/>
               </a:ext>
             </a:extLst>
           </p:cNvPr>
@@ -1318,7 +1318,7 @@
           <p:cNvPr id="4" name="内容占位符 3">
             <a:extLst>
               <a:ext uri="{FF2B5EF4-FFF2-40B4-BE49-F238E27FC236}">
-                <a16:creationId xmlns:a16="http://schemas.microsoft.com/office/drawing/2014/main" id="{E9BD6EFA-E2B7-C532-F12D-10B21570E844}"/>
+                <a16:creationId xmlns:a16="http://schemas.microsoft.com/office/drawing/2014/main" id="{C6DAB103-A823-7F4D-D378-D6B04F83A8F2}"/>
               </a:ext>
             </a:extLst>
           </p:cNvPr>
@@ -1380,7 +1380,7 @@
           <p:cNvPr id="5" name="日期占位符 4">
             <a:extLst>
               <a:ext uri="{FF2B5EF4-FFF2-40B4-BE49-F238E27FC236}">
-                <a16:creationId xmlns:a16="http://schemas.microsoft.com/office/drawing/2014/main" id="{C5DD6268-ACF9-C83A-B094-31968678B2DF}"/>
+                <a16:creationId xmlns:a16="http://schemas.microsoft.com/office/drawing/2014/main" id="{DBCC0C2C-7E7F-89A4-4B0C-477301138E5B}"/>
               </a:ext>
             </a:extLst>
           </p:cNvPr>
@@ -1396,7 +1396,7 @@
           <a:bodyPr/>
           <a:lstStyle/>
           <a:p>
-            <a:fld id="{E2DB37CE-C4F0-4C97-A32F-4E13B9F0BBC8}" type="datetimeFigureOut">
+            <a:fld id="{46E946B7-374A-4E21-AA45-258B14E10C3D}" type="datetimeFigureOut">
               <a:rPr lang="zh-CN" altLang="en-US" smtClean="0"/>
               <a:t>2024/3/10</a:t>
             </a:fld>
@@ -1409,7 +1409,7 @@
           <p:cNvPr id="6" name="页脚占位符 5">
             <a:extLst>
               <a:ext uri="{FF2B5EF4-FFF2-40B4-BE49-F238E27FC236}">
-                <a16:creationId xmlns:a16="http://schemas.microsoft.com/office/drawing/2014/main" id="{A6F3C64A-D77D-6DC8-DF6A-01215B62D7B3}"/>
+                <a16:creationId xmlns:a16="http://schemas.microsoft.com/office/drawing/2014/main" id="{2BD914A6-AB73-92AE-CCF4-553C2126B307}"/>
               </a:ext>
             </a:extLst>
           </p:cNvPr>
@@ -1434,7 +1434,7 @@
           <p:cNvPr id="7" name="灯片编号占位符 6">
             <a:extLst>
               <a:ext uri="{FF2B5EF4-FFF2-40B4-BE49-F238E27FC236}">
-                <a16:creationId xmlns:a16="http://schemas.microsoft.com/office/drawing/2014/main" id="{1A06168B-7170-AB34-4593-226BBE0220E3}"/>
+                <a16:creationId xmlns:a16="http://schemas.microsoft.com/office/drawing/2014/main" id="{88178D43-2A6D-B674-3E53-07EBF7CE5381}"/>
               </a:ext>
             </a:extLst>
           </p:cNvPr>
@@ -1450,7 +1450,7 @@
           <a:bodyPr/>
           <a:lstStyle/>
           <a:p>
-            <a:fld id="{6D7519C7-3A77-43BD-B444-800E95E21000}" type="slidenum">
+            <a:fld id="{2E99006E-B8A7-4AEF-8733-87FF12F10A26}" type="slidenum">
               <a:rPr lang="zh-CN" altLang="en-US" smtClean="0"/>
               <a:t>‹#›</a:t>
             </a:fld>
@@ -1461,7 +1461,7 @@
     </p:spTree>
     <p:extLst>
       <p:ext uri="{BB962C8B-B14F-4D97-AF65-F5344CB8AC3E}">
-        <p14:creationId xmlns:p14="http://schemas.microsoft.com/office/powerpoint/2010/main" val="2651762414"/>
+        <p14:creationId xmlns:p14="http://schemas.microsoft.com/office/powerpoint/2010/main" val="3390655943"/>
       </p:ext>
     </p:extLst>
   </p:cSld>
@@ -1493,7 +1493,7 @@
           <p:cNvPr id="2" name="标题 1">
             <a:extLst>
               <a:ext uri="{FF2B5EF4-FFF2-40B4-BE49-F238E27FC236}">
-                <a16:creationId xmlns:a16="http://schemas.microsoft.com/office/drawing/2014/main" id="{1124E1BB-3B9A-AE84-66AD-F561478BFBF3}"/>
+                <a16:creationId xmlns:a16="http://schemas.microsoft.com/office/drawing/2014/main" id="{DEE6DF81-6037-6B26-31B2-D0CE5DF489D6}"/>
               </a:ext>
             </a:extLst>
           </p:cNvPr>
@@ -1526,7 +1526,7 @@
           <p:cNvPr id="3" name="文本占位符 2">
             <a:extLst>
               <a:ext uri="{FF2B5EF4-FFF2-40B4-BE49-F238E27FC236}">
-                <a16:creationId xmlns:a16="http://schemas.microsoft.com/office/drawing/2014/main" id="{16A94C0B-29D5-5C99-179B-6E913F892974}"/>
+                <a16:creationId xmlns:a16="http://schemas.microsoft.com/office/drawing/2014/main" id="{30C95811-0272-AA66-CD99-E24DE0712501}"/>
               </a:ext>
             </a:extLst>
           </p:cNvPr>
@@ -1597,7 +1597,7 @@
           <p:cNvPr id="4" name="内容占位符 3">
             <a:extLst>
               <a:ext uri="{FF2B5EF4-FFF2-40B4-BE49-F238E27FC236}">
-                <a16:creationId xmlns:a16="http://schemas.microsoft.com/office/drawing/2014/main" id="{F37DAC08-0C8E-5AB3-6BA7-18D029A5FBFB}"/>
+                <a16:creationId xmlns:a16="http://schemas.microsoft.com/office/drawing/2014/main" id="{B4FBC7AC-FA65-86C8-9630-A6CB4EE30847}"/>
               </a:ext>
             </a:extLst>
           </p:cNvPr>
@@ -1659,7 +1659,7 @@
           <p:cNvPr id="5" name="文本占位符 4">
             <a:extLst>
               <a:ext uri="{FF2B5EF4-FFF2-40B4-BE49-F238E27FC236}">
-                <a16:creationId xmlns:a16="http://schemas.microsoft.com/office/drawing/2014/main" id="{4720B36A-890C-BC69-3525-90B2225F1F5E}"/>
+                <a16:creationId xmlns:a16="http://schemas.microsoft.com/office/drawing/2014/main" id="{85B362D7-3C60-85C3-DBD8-B2B02A5A24CB}"/>
               </a:ext>
             </a:extLst>
           </p:cNvPr>
@@ -1730,7 +1730,7 @@
           <p:cNvPr id="6" name="内容占位符 5">
             <a:extLst>
               <a:ext uri="{FF2B5EF4-FFF2-40B4-BE49-F238E27FC236}">
-                <a16:creationId xmlns:a16="http://schemas.microsoft.com/office/drawing/2014/main" id="{2C4B480C-0FBE-28CC-893D-689EE860514D}"/>
+                <a16:creationId xmlns:a16="http://schemas.microsoft.com/office/drawing/2014/main" id="{28E0793A-7DBB-6506-8F1F-68FAA5F23BEE}"/>
               </a:ext>
             </a:extLst>
           </p:cNvPr>
@@ -1792,7 +1792,7 @@
           <p:cNvPr id="7" name="日期占位符 6">
             <a:extLst>
               <a:ext uri="{FF2B5EF4-FFF2-40B4-BE49-F238E27FC236}">
-                <a16:creationId xmlns:a16="http://schemas.microsoft.com/office/drawing/2014/main" id="{B6B3E6EB-D951-6E2B-E9F5-E80955701DEB}"/>
+                <a16:creationId xmlns:a16="http://schemas.microsoft.com/office/drawing/2014/main" id="{EF9E08D1-D74A-916A-DFAB-0B5256F3FC98}"/>
               </a:ext>
             </a:extLst>
           </p:cNvPr>
@@ -1808,7 +1808,7 @@
           <a:bodyPr/>
           <a:lstStyle/>
           <a:p>
-            <a:fld id="{E2DB37CE-C4F0-4C97-A32F-4E13B9F0BBC8}" type="datetimeFigureOut">
+            <a:fld id="{46E946B7-374A-4E21-AA45-258B14E10C3D}" type="datetimeFigureOut">
               <a:rPr lang="zh-CN" altLang="en-US" smtClean="0"/>
               <a:t>2024/3/10</a:t>
             </a:fld>
@@ -1821,7 +1821,7 @@
           <p:cNvPr id="8" name="页脚占位符 7">
             <a:extLst>
               <a:ext uri="{FF2B5EF4-FFF2-40B4-BE49-F238E27FC236}">
-                <a16:creationId xmlns:a16="http://schemas.microsoft.com/office/drawing/2014/main" id="{A253FD46-6D76-C461-36C4-C77D4CBFD49C}"/>
+                <a16:creationId xmlns:a16="http://schemas.microsoft.com/office/drawing/2014/main" id="{0FBFB30E-9F80-9423-8955-D5FCBF1A0E0D}"/>
               </a:ext>
             </a:extLst>
           </p:cNvPr>
@@ -1846,7 +1846,7 @@
           <p:cNvPr id="9" name="灯片编号占位符 8">
             <a:extLst>
               <a:ext uri="{FF2B5EF4-FFF2-40B4-BE49-F238E27FC236}">
-                <a16:creationId xmlns:a16="http://schemas.microsoft.com/office/drawing/2014/main" id="{DC778D23-491C-AE35-7195-9401ED35AD91}"/>
+                <a16:creationId xmlns:a16="http://schemas.microsoft.com/office/drawing/2014/main" id="{906D0CC5-89F2-EB27-6503-133696A7269A}"/>
               </a:ext>
             </a:extLst>
           </p:cNvPr>
@@ -1862,7 +1862,7 @@
           <a:bodyPr/>
           <a:lstStyle/>
           <a:p>
-            <a:fld id="{6D7519C7-3A77-43BD-B444-800E95E21000}" type="slidenum">
+            <a:fld id="{2E99006E-B8A7-4AEF-8733-87FF12F10A26}" type="slidenum">
               <a:rPr lang="zh-CN" altLang="en-US" smtClean="0"/>
               <a:t>‹#›</a:t>
             </a:fld>
@@ -1873,7 +1873,7 @@
     </p:spTree>
     <p:extLst>
       <p:ext uri="{BB962C8B-B14F-4D97-AF65-F5344CB8AC3E}">
-        <p14:creationId xmlns:p14="http://schemas.microsoft.com/office/powerpoint/2010/main" val="2928088042"/>
+        <p14:creationId xmlns:p14="http://schemas.microsoft.com/office/powerpoint/2010/main" val="747507597"/>
       </p:ext>
     </p:extLst>
   </p:cSld>
@@ -1905,7 +1905,7 @@
           <p:cNvPr id="2" name="标题 1">
             <a:extLst>
               <a:ext uri="{FF2B5EF4-FFF2-40B4-BE49-F238E27FC236}">
-                <a16:creationId xmlns:a16="http://schemas.microsoft.com/office/drawing/2014/main" id="{14FB4DFE-4556-3906-89C9-DCBFF5AEAF83}"/>
+                <a16:creationId xmlns:a16="http://schemas.microsoft.com/office/drawing/2014/main" id="{90BCC108-82F1-A567-AD6D-46697679458D}"/>
               </a:ext>
             </a:extLst>
           </p:cNvPr>
@@ -1933,7 +1933,7 @@
           <p:cNvPr id="3" name="日期占位符 2">
             <a:extLst>
               <a:ext uri="{FF2B5EF4-FFF2-40B4-BE49-F238E27FC236}">
-                <a16:creationId xmlns:a16="http://schemas.microsoft.com/office/drawing/2014/main" id="{B65CBB30-5CA5-8F0E-338F-D89EB87346A4}"/>
+                <a16:creationId xmlns:a16="http://schemas.microsoft.com/office/drawing/2014/main" id="{5A7B95C8-9087-9F00-6A91-0CFB0FD22670}"/>
               </a:ext>
             </a:extLst>
           </p:cNvPr>
@@ -1949,7 +1949,7 @@
           <a:bodyPr/>
           <a:lstStyle/>
           <a:p>
-            <a:fld id="{E2DB37CE-C4F0-4C97-A32F-4E13B9F0BBC8}" type="datetimeFigureOut">
+            <a:fld id="{46E946B7-374A-4E21-AA45-258B14E10C3D}" type="datetimeFigureOut">
               <a:rPr lang="zh-CN" altLang="en-US" smtClean="0"/>
               <a:t>2024/3/10</a:t>
             </a:fld>
@@ -1962,7 +1962,7 @@
           <p:cNvPr id="4" name="页脚占位符 3">
             <a:extLst>
               <a:ext uri="{FF2B5EF4-FFF2-40B4-BE49-F238E27FC236}">
-                <a16:creationId xmlns:a16="http://schemas.microsoft.com/office/drawing/2014/main" id="{56FAF6F0-4525-DA18-1AAD-4311E3439322}"/>
+                <a16:creationId xmlns:a16="http://schemas.microsoft.com/office/drawing/2014/main" id="{27811A09-16CC-CEE9-7B17-C2F51BB09D89}"/>
               </a:ext>
             </a:extLst>
           </p:cNvPr>
@@ -1987,7 +1987,7 @@
           <p:cNvPr id="5" name="灯片编号占位符 4">
             <a:extLst>
               <a:ext uri="{FF2B5EF4-FFF2-40B4-BE49-F238E27FC236}">
-                <a16:creationId xmlns:a16="http://schemas.microsoft.com/office/drawing/2014/main" id="{2AD793B2-2F32-0DDC-CFE9-416DDC96FDC7}"/>
+                <a16:creationId xmlns:a16="http://schemas.microsoft.com/office/drawing/2014/main" id="{FFE5A294-E719-D059-58AB-031FC83221EF}"/>
               </a:ext>
             </a:extLst>
           </p:cNvPr>
@@ -2003,7 +2003,7 @@
           <a:bodyPr/>
           <a:lstStyle/>
           <a:p>
-            <a:fld id="{6D7519C7-3A77-43BD-B444-800E95E21000}" type="slidenum">
+            <a:fld id="{2E99006E-B8A7-4AEF-8733-87FF12F10A26}" type="slidenum">
               <a:rPr lang="zh-CN" altLang="en-US" smtClean="0"/>
               <a:t>‹#›</a:t>
             </a:fld>
@@ -2014,7 +2014,7 @@
     </p:spTree>
     <p:extLst>
       <p:ext uri="{BB962C8B-B14F-4D97-AF65-F5344CB8AC3E}">
-        <p14:creationId xmlns:p14="http://schemas.microsoft.com/office/powerpoint/2010/main" val="2111527030"/>
+        <p14:creationId xmlns:p14="http://schemas.microsoft.com/office/powerpoint/2010/main" val="3758075536"/>
       </p:ext>
     </p:extLst>
   </p:cSld>
@@ -2046,7 +2046,7 @@
           <p:cNvPr id="2" name="日期占位符 1">
             <a:extLst>
               <a:ext uri="{FF2B5EF4-FFF2-40B4-BE49-F238E27FC236}">
-                <a16:creationId xmlns:a16="http://schemas.microsoft.com/office/drawing/2014/main" id="{D38DB579-B28A-103D-732C-1399BA2C8B52}"/>
+                <a16:creationId xmlns:a16="http://schemas.microsoft.com/office/drawing/2014/main" id="{6C902D8C-A423-909A-AA73-ACF947EDCBF0}"/>
               </a:ext>
             </a:extLst>
           </p:cNvPr>
@@ -2062,7 +2062,7 @@
           <a:bodyPr/>
           <a:lstStyle/>
           <a:p>
-            <a:fld id="{E2DB37CE-C4F0-4C97-A32F-4E13B9F0BBC8}" type="datetimeFigureOut">
+            <a:fld id="{46E946B7-374A-4E21-AA45-258B14E10C3D}" type="datetimeFigureOut">
               <a:rPr lang="zh-CN" altLang="en-US" smtClean="0"/>
               <a:t>2024/3/10</a:t>
             </a:fld>
@@ -2075,7 +2075,7 @@
           <p:cNvPr id="3" name="页脚占位符 2">
             <a:extLst>
               <a:ext uri="{FF2B5EF4-FFF2-40B4-BE49-F238E27FC236}">
-                <a16:creationId xmlns:a16="http://schemas.microsoft.com/office/drawing/2014/main" id="{286F15D2-1339-0BF4-F8A4-EAC39ABA6D5E}"/>
+                <a16:creationId xmlns:a16="http://schemas.microsoft.com/office/drawing/2014/main" id="{C0A724E5-5E9F-8EFC-A0CB-A75FCFD293E4}"/>
               </a:ext>
             </a:extLst>
           </p:cNvPr>
@@ -2100,7 +2100,7 @@
           <p:cNvPr id="4" name="灯片编号占位符 3">
             <a:extLst>
               <a:ext uri="{FF2B5EF4-FFF2-40B4-BE49-F238E27FC236}">
-                <a16:creationId xmlns:a16="http://schemas.microsoft.com/office/drawing/2014/main" id="{22952E15-454F-2964-E80A-933D1A54A37D}"/>
+                <a16:creationId xmlns:a16="http://schemas.microsoft.com/office/drawing/2014/main" id="{F9CF114E-A47C-5212-83AB-BC5762935A75}"/>
               </a:ext>
             </a:extLst>
           </p:cNvPr>
@@ -2116,7 +2116,7 @@
           <a:bodyPr/>
           <a:lstStyle/>
           <a:p>
-            <a:fld id="{6D7519C7-3A77-43BD-B444-800E95E21000}" type="slidenum">
+            <a:fld id="{2E99006E-B8A7-4AEF-8733-87FF12F10A26}" type="slidenum">
               <a:rPr lang="zh-CN" altLang="en-US" smtClean="0"/>
               <a:t>‹#›</a:t>
             </a:fld>
@@ -2127,7 +2127,7 @@
     </p:spTree>
     <p:extLst>
       <p:ext uri="{BB962C8B-B14F-4D97-AF65-F5344CB8AC3E}">
-        <p14:creationId xmlns:p14="http://schemas.microsoft.com/office/powerpoint/2010/main" val="666568867"/>
+        <p14:creationId xmlns:p14="http://schemas.microsoft.com/office/powerpoint/2010/main" val="961621578"/>
       </p:ext>
     </p:extLst>
   </p:cSld>
@@ -2159,7 +2159,7 @@
           <p:cNvPr id="2" name="标题 1">
             <a:extLst>
               <a:ext uri="{FF2B5EF4-FFF2-40B4-BE49-F238E27FC236}">
-                <a16:creationId xmlns:a16="http://schemas.microsoft.com/office/drawing/2014/main" id="{F07E0963-21A5-7750-1BE1-FDDE7B8AA181}"/>
+                <a16:creationId xmlns:a16="http://schemas.microsoft.com/office/drawing/2014/main" id="{2ED98A47-79A5-9738-8A64-E54C67C34CBE}"/>
               </a:ext>
             </a:extLst>
           </p:cNvPr>
@@ -2196,7 +2196,7 @@
           <p:cNvPr id="3" name="内容占位符 2">
             <a:extLst>
               <a:ext uri="{FF2B5EF4-FFF2-40B4-BE49-F238E27FC236}">
-                <a16:creationId xmlns:a16="http://schemas.microsoft.com/office/drawing/2014/main" id="{86FA44DA-3A41-DBA4-B8FC-89955526068E}"/>
+                <a16:creationId xmlns:a16="http://schemas.microsoft.com/office/drawing/2014/main" id="{0E7790E4-1F8F-5325-5C0E-52978BB7017A}"/>
               </a:ext>
             </a:extLst>
           </p:cNvPr>
@@ -2286,7 +2286,7 @@
           <p:cNvPr id="4" name="文本占位符 3">
             <a:extLst>
               <a:ext uri="{FF2B5EF4-FFF2-40B4-BE49-F238E27FC236}">
-                <a16:creationId xmlns:a16="http://schemas.microsoft.com/office/drawing/2014/main" id="{48CCF308-F560-9997-F0CA-989BFB8E3193}"/>
+                <a16:creationId xmlns:a16="http://schemas.microsoft.com/office/drawing/2014/main" id="{7A0D6C58-FB2F-BAD4-F984-31F811A16175}"/>
               </a:ext>
             </a:extLst>
           </p:cNvPr>
@@ -2357,7 +2357,7 @@
           <p:cNvPr id="5" name="日期占位符 4">
             <a:extLst>
               <a:ext uri="{FF2B5EF4-FFF2-40B4-BE49-F238E27FC236}">
-                <a16:creationId xmlns:a16="http://schemas.microsoft.com/office/drawing/2014/main" id="{29C98320-6FC5-2728-6869-2E58D13D8F06}"/>
+                <a16:creationId xmlns:a16="http://schemas.microsoft.com/office/drawing/2014/main" id="{38BFBF43-C023-D7EB-B7CA-559281503567}"/>
               </a:ext>
             </a:extLst>
           </p:cNvPr>
@@ -2373,7 +2373,7 @@
           <a:bodyPr/>
           <a:lstStyle/>
           <a:p>
-            <a:fld id="{E2DB37CE-C4F0-4C97-A32F-4E13B9F0BBC8}" type="datetimeFigureOut">
+            <a:fld id="{46E946B7-374A-4E21-AA45-258B14E10C3D}" type="datetimeFigureOut">
               <a:rPr lang="zh-CN" altLang="en-US" smtClean="0"/>
               <a:t>2024/3/10</a:t>
             </a:fld>
@@ -2386,7 +2386,7 @@
           <p:cNvPr id="6" name="页脚占位符 5">
             <a:extLst>
               <a:ext uri="{FF2B5EF4-FFF2-40B4-BE49-F238E27FC236}">
-                <a16:creationId xmlns:a16="http://schemas.microsoft.com/office/drawing/2014/main" id="{C4AF6776-CA58-9A9C-BDB4-DA1521A4D525}"/>
+                <a16:creationId xmlns:a16="http://schemas.microsoft.com/office/drawing/2014/main" id="{81916C8C-0C0C-41CF-BC12-081045B90CDE}"/>
               </a:ext>
             </a:extLst>
           </p:cNvPr>
@@ -2411,7 +2411,7 @@
           <p:cNvPr id="7" name="灯片编号占位符 6">
             <a:extLst>
               <a:ext uri="{FF2B5EF4-FFF2-40B4-BE49-F238E27FC236}">
-                <a16:creationId xmlns:a16="http://schemas.microsoft.com/office/drawing/2014/main" id="{917507D1-369C-94E7-23EB-FB242D1281BB}"/>
+                <a16:creationId xmlns:a16="http://schemas.microsoft.com/office/drawing/2014/main" id="{E6365D69-CE6E-D101-421D-CB264A8BC488}"/>
               </a:ext>
             </a:extLst>
           </p:cNvPr>
@@ -2427,7 +2427,7 @@
           <a:bodyPr/>
           <a:lstStyle/>
           <a:p>
-            <a:fld id="{6D7519C7-3A77-43BD-B444-800E95E21000}" type="slidenum">
+            <a:fld id="{2E99006E-B8A7-4AEF-8733-87FF12F10A26}" type="slidenum">
               <a:rPr lang="zh-CN" altLang="en-US" smtClean="0"/>
               <a:t>‹#›</a:t>
             </a:fld>
@@ -2438,7 +2438,7 @@
     </p:spTree>
     <p:extLst>
       <p:ext uri="{BB962C8B-B14F-4D97-AF65-F5344CB8AC3E}">
-        <p14:creationId xmlns:p14="http://schemas.microsoft.com/office/powerpoint/2010/main" val="3865595711"/>
+        <p14:creationId xmlns:p14="http://schemas.microsoft.com/office/powerpoint/2010/main" val="461927743"/>
       </p:ext>
     </p:extLst>
   </p:cSld>
@@ -2470,7 +2470,7 @@
           <p:cNvPr id="2" name="标题 1">
             <a:extLst>
               <a:ext uri="{FF2B5EF4-FFF2-40B4-BE49-F238E27FC236}">
-                <a16:creationId xmlns:a16="http://schemas.microsoft.com/office/drawing/2014/main" id="{6FEED6DF-92E0-EEBA-4BEF-28E1037CC30D}"/>
+                <a16:creationId xmlns:a16="http://schemas.microsoft.com/office/drawing/2014/main" id="{A0E0FAE6-7E21-D3A4-0C3C-91AFFBA4E2E0}"/>
               </a:ext>
             </a:extLst>
           </p:cNvPr>
@@ -2507,7 +2507,7 @@
           <p:cNvPr id="3" name="图片占位符 2">
             <a:extLst>
               <a:ext uri="{FF2B5EF4-FFF2-40B4-BE49-F238E27FC236}">
-                <a16:creationId xmlns:a16="http://schemas.microsoft.com/office/drawing/2014/main" id="{F3C1F10D-4A62-1F4B-0305-09C0084211B3}"/>
+                <a16:creationId xmlns:a16="http://schemas.microsoft.com/office/drawing/2014/main" id="{6561B566-6EC0-7DF8-7ECB-117EB6C1ADB6}"/>
               </a:ext>
             </a:extLst>
           </p:cNvPr>
@@ -2574,7 +2574,7 @@
           <p:cNvPr id="4" name="文本占位符 3">
             <a:extLst>
               <a:ext uri="{FF2B5EF4-FFF2-40B4-BE49-F238E27FC236}">
-                <a16:creationId xmlns:a16="http://schemas.microsoft.com/office/drawing/2014/main" id="{FEFF5808-3A0F-6548-7795-02060718F41E}"/>
+                <a16:creationId xmlns:a16="http://schemas.microsoft.com/office/drawing/2014/main" id="{FBD84006-2934-A973-585C-8F072D9C7F50}"/>
               </a:ext>
             </a:extLst>
           </p:cNvPr>
@@ -2645,7 +2645,7 @@
           <p:cNvPr id="5" name="日期占位符 4">
             <a:extLst>
               <a:ext uri="{FF2B5EF4-FFF2-40B4-BE49-F238E27FC236}">
-                <a16:creationId xmlns:a16="http://schemas.microsoft.com/office/drawing/2014/main" id="{9802D327-B879-6A1E-446D-27103828E473}"/>
+                <a16:creationId xmlns:a16="http://schemas.microsoft.com/office/drawing/2014/main" id="{F55E6FFE-54FA-9434-21C5-D311D740565A}"/>
               </a:ext>
             </a:extLst>
           </p:cNvPr>
@@ -2661,7 +2661,7 @@
           <a:bodyPr/>
           <a:lstStyle/>
           <a:p>
-            <a:fld id="{E2DB37CE-C4F0-4C97-A32F-4E13B9F0BBC8}" type="datetimeFigureOut">
+            <a:fld id="{46E946B7-374A-4E21-AA45-258B14E10C3D}" type="datetimeFigureOut">
               <a:rPr lang="zh-CN" altLang="en-US" smtClean="0"/>
               <a:t>2024/3/10</a:t>
             </a:fld>
@@ -2674,7 +2674,7 @@
           <p:cNvPr id="6" name="页脚占位符 5">
             <a:extLst>
               <a:ext uri="{FF2B5EF4-FFF2-40B4-BE49-F238E27FC236}">
-                <a16:creationId xmlns:a16="http://schemas.microsoft.com/office/drawing/2014/main" id="{9E527325-5C2C-49E7-830D-71D11C2FA272}"/>
+                <a16:creationId xmlns:a16="http://schemas.microsoft.com/office/drawing/2014/main" id="{65ACDDAB-325E-1F1F-2DBB-1356DC869CE0}"/>
               </a:ext>
             </a:extLst>
           </p:cNvPr>
@@ -2699,7 +2699,7 @@
           <p:cNvPr id="7" name="灯片编号占位符 6">
             <a:extLst>
               <a:ext uri="{FF2B5EF4-FFF2-40B4-BE49-F238E27FC236}">
-                <a16:creationId xmlns:a16="http://schemas.microsoft.com/office/drawing/2014/main" id="{0837A14F-03C3-87F7-57C3-7DBEC6038455}"/>
+                <a16:creationId xmlns:a16="http://schemas.microsoft.com/office/drawing/2014/main" id="{85A45239-D925-DFF2-8337-CB5C1E13ABC0}"/>
               </a:ext>
             </a:extLst>
           </p:cNvPr>
@@ -2715,7 +2715,7 @@
           <a:bodyPr/>
           <a:lstStyle/>
           <a:p>
-            <a:fld id="{6D7519C7-3A77-43BD-B444-800E95E21000}" type="slidenum">
+            <a:fld id="{2E99006E-B8A7-4AEF-8733-87FF12F10A26}" type="slidenum">
               <a:rPr lang="zh-CN" altLang="en-US" smtClean="0"/>
               <a:t>‹#›</a:t>
             </a:fld>
@@ -2726,7 +2726,7 @@
     </p:spTree>
     <p:extLst>
       <p:ext uri="{BB962C8B-B14F-4D97-AF65-F5344CB8AC3E}">
-        <p14:creationId xmlns:p14="http://schemas.microsoft.com/office/powerpoint/2010/main" val="1012410410"/>
+        <p14:creationId xmlns:p14="http://schemas.microsoft.com/office/powerpoint/2010/main" val="2782080991"/>
       </p:ext>
     </p:extLst>
   </p:cSld>
@@ -2763,7 +2763,7 @@
           <p:cNvPr id="2" name="标题占位符 1">
             <a:extLst>
               <a:ext uri="{FF2B5EF4-FFF2-40B4-BE49-F238E27FC236}">
-                <a16:creationId xmlns:a16="http://schemas.microsoft.com/office/drawing/2014/main" id="{5E2F2A74-743B-D6CF-67D0-A0CD81CDAE3D}"/>
+                <a16:creationId xmlns:a16="http://schemas.microsoft.com/office/drawing/2014/main" id="{60CFA675-A9E5-B4B1-5B97-F0818684EBE2}"/>
               </a:ext>
             </a:extLst>
           </p:cNvPr>
@@ -2801,7 +2801,7 @@
           <p:cNvPr id="3" name="文本占位符 2">
             <a:extLst>
               <a:ext uri="{FF2B5EF4-FFF2-40B4-BE49-F238E27FC236}">
-                <a16:creationId xmlns:a16="http://schemas.microsoft.com/office/drawing/2014/main" id="{FF034109-238D-452C-7612-6E17D29D01D1}"/>
+                <a16:creationId xmlns:a16="http://schemas.microsoft.com/office/drawing/2014/main" id="{8B7C0743-C8FD-7866-BB70-2DB046FBEEE7}"/>
               </a:ext>
             </a:extLst>
           </p:cNvPr>
@@ -2868,7 +2868,7 @@
           <p:cNvPr id="4" name="日期占位符 3">
             <a:extLst>
               <a:ext uri="{FF2B5EF4-FFF2-40B4-BE49-F238E27FC236}">
-                <a16:creationId xmlns:a16="http://schemas.microsoft.com/office/drawing/2014/main" id="{557182DF-5E38-124F-4535-0480AB45B829}"/>
+                <a16:creationId xmlns:a16="http://schemas.microsoft.com/office/drawing/2014/main" id="{349D0088-F6D6-5023-0198-16B2547DCDD3}"/>
               </a:ext>
             </a:extLst>
           </p:cNvPr>
@@ -2902,7 +2902,7 @@
             </a:lvl1pPr>
           </a:lstStyle>
           <a:p>
-            <a:fld id="{E2DB37CE-C4F0-4C97-A32F-4E13B9F0BBC8}" type="datetimeFigureOut">
+            <a:fld id="{46E946B7-374A-4E21-AA45-258B14E10C3D}" type="datetimeFigureOut">
               <a:rPr lang="zh-CN" altLang="en-US" smtClean="0"/>
               <a:t>2024/3/10</a:t>
             </a:fld>
@@ -2915,7 +2915,7 @@
           <p:cNvPr id="5" name="页脚占位符 4">
             <a:extLst>
               <a:ext uri="{FF2B5EF4-FFF2-40B4-BE49-F238E27FC236}">
-                <a16:creationId xmlns:a16="http://schemas.microsoft.com/office/drawing/2014/main" id="{6EC8C984-B79F-8B6A-FE91-FBA833681BF0}"/>
+                <a16:creationId xmlns:a16="http://schemas.microsoft.com/office/drawing/2014/main" id="{0E371923-8B1F-77B3-F81D-F94373252CAD}"/>
               </a:ext>
             </a:extLst>
           </p:cNvPr>
@@ -2958,7 +2958,7 @@
           <p:cNvPr id="6" name="灯片编号占位符 5">
             <a:extLst>
               <a:ext uri="{FF2B5EF4-FFF2-40B4-BE49-F238E27FC236}">
-                <a16:creationId xmlns:a16="http://schemas.microsoft.com/office/drawing/2014/main" id="{9755A1CF-76D6-A9AF-B2B2-EE8F8F8395BC}"/>
+                <a16:creationId xmlns:a16="http://schemas.microsoft.com/office/drawing/2014/main" id="{9DCD1C42-957A-13B5-0E48-F54BE7403773}"/>
               </a:ext>
             </a:extLst>
           </p:cNvPr>
@@ -2992,7 +2992,7 @@
             </a:lvl1pPr>
           </a:lstStyle>
           <a:p>
-            <a:fld id="{6D7519C7-3A77-43BD-B444-800E95E21000}" type="slidenum">
+            <a:fld id="{2E99006E-B8A7-4AEF-8733-87FF12F10A26}" type="slidenum">
               <a:rPr lang="zh-CN" altLang="en-US" smtClean="0"/>
               <a:t>‹#›</a:t>
             </a:fld>
@@ -3003,7 +3003,7 @@
     </p:spTree>
     <p:extLst>
       <p:ext uri="{BB962C8B-B14F-4D97-AF65-F5344CB8AC3E}">
-        <p14:creationId xmlns:p14="http://schemas.microsoft.com/office/powerpoint/2010/main" val="1722362960"/>
+        <p14:creationId xmlns:p14="http://schemas.microsoft.com/office/powerpoint/2010/main" val="2933448290"/>
       </p:ext>
     </p:extLst>
   </p:cSld>
@@ -3323,7 +3323,7 @@
       </p:grpSpPr>
       <p:pic>
         <p:nvPicPr>
-          <p:cNvPr id="303106" name="Picture 2" descr="295"/>
+          <p:cNvPr id="304130" name="Picture 2" descr="296"/>
           <p:cNvPicPr>
             <a:picLocks noChangeAspect="1" noChangeArrowheads="1"/>
           </p:cNvPicPr>
@@ -3375,11 +3375,392 @@
           </a:extLst>
         </p:spPr>
       </p:pic>
+      <p:pic>
+        <p:nvPicPr>
+          <p:cNvPr id="305155" name="Picture 3" descr="296-2"/>
+          <p:cNvPicPr>
+            <a:picLocks noChangeAspect="1" noChangeArrowheads="1"/>
+          </p:cNvPicPr>
+          <p:nvPr/>
+        </p:nvPicPr>
+        <p:blipFill>
+          <a:blip r:embed="rId3">
+            <a:extLst>
+              <a:ext uri="{28A0092B-C50C-407E-A947-70E740481C1C}">
+                <a14:useLocalDpi xmlns:a14="http://schemas.microsoft.com/office/drawing/2010/main" val="0"/>
+              </a:ext>
+            </a:extLst>
+          </a:blip>
+          <a:srcRect/>
+          <a:stretch>
+            <a:fillRect/>
+          </a:stretch>
+        </p:blipFill>
+        <p:spPr bwMode="auto">
+          <a:xfrm>
+            <a:off x="1524000" y="0"/>
+            <a:ext cx="9144000" cy="6858000"/>
+          </a:xfrm>
+          <a:prstGeom prst="rect">
+            <a:avLst/>
+          </a:prstGeom>
+          <a:noFill/>
+          <a:ln>
+            <a:noFill/>
+          </a:ln>
+          <a:effectLst/>
+          <a:extLst>
+            <a:ext uri="{909E8E84-426E-40DD-AFC4-6F175D3DCCD1}">
+              <a14:hiddenFill xmlns:a14="http://schemas.microsoft.com/office/drawing/2010/main">
+                <a:solidFill>
+                  <a:srgbClr val="FFFFFF"/>
+                </a:solidFill>
+              </a14:hiddenFill>
+            </a:ext>
+            <a:ext uri="{91240B29-F687-4F45-9708-019B960494DF}">
+              <a14:hiddenLine xmlns:a14="http://schemas.microsoft.com/office/drawing/2010/main" w="9525">
+                <a:solidFill>
+                  <a:srgbClr val="000000"/>
+                </a:solidFill>
+                <a:miter lim="800000"/>
+                <a:headEnd/>
+                <a:tailEnd/>
+              </a14:hiddenLine>
+            </a:ext>
+            <a:ext uri="{AF507438-7753-43E0-B8FC-AC1667EBCBE1}">
+              <a14:hiddenEffects xmlns:a14="http://schemas.microsoft.com/office/drawing/2010/main">
+                <a:effectLst>
+                  <a:outerShdw dist="35921" dir="2700000" algn="ctr" rotWithShape="0">
+                    <a:srgbClr val="808080"/>
+                  </a:outerShdw>
+                </a:effectLst>
+              </a14:hiddenEffects>
+            </a:ext>
+          </a:extLst>
+        </p:spPr>
+      </p:pic>
+      <p:pic>
+        <p:nvPicPr>
+          <p:cNvPr id="305156" name="Picture 4" descr="296-3"/>
+          <p:cNvPicPr>
+            <a:picLocks noChangeAspect="1" noChangeArrowheads="1"/>
+          </p:cNvPicPr>
+          <p:nvPr/>
+        </p:nvPicPr>
+        <p:blipFill>
+          <a:blip r:embed="rId4">
+            <a:extLst>
+              <a:ext uri="{28A0092B-C50C-407E-A947-70E740481C1C}">
+                <a14:useLocalDpi xmlns:a14="http://schemas.microsoft.com/office/drawing/2010/main" val="0"/>
+              </a:ext>
+            </a:extLst>
+          </a:blip>
+          <a:srcRect/>
+          <a:stretch>
+            <a:fillRect/>
+          </a:stretch>
+        </p:blipFill>
+        <p:spPr bwMode="auto">
+          <a:xfrm>
+            <a:off x="1524000" y="0"/>
+            <a:ext cx="9144000" cy="6858000"/>
+          </a:xfrm>
+          <a:prstGeom prst="rect">
+            <a:avLst/>
+          </a:prstGeom>
+          <a:noFill/>
+          <a:ln>
+            <a:noFill/>
+          </a:ln>
+          <a:effectLst/>
+          <a:extLst>
+            <a:ext uri="{909E8E84-426E-40DD-AFC4-6F175D3DCCD1}">
+              <a14:hiddenFill xmlns:a14="http://schemas.microsoft.com/office/drawing/2010/main">
+                <a:solidFill>
+                  <a:srgbClr val="FFFFFF"/>
+                </a:solidFill>
+              </a14:hiddenFill>
+            </a:ext>
+            <a:ext uri="{91240B29-F687-4F45-9708-019B960494DF}">
+              <a14:hiddenLine xmlns:a14="http://schemas.microsoft.com/office/drawing/2010/main" w="9525">
+                <a:solidFill>
+                  <a:srgbClr val="000000"/>
+                </a:solidFill>
+                <a:miter lim="800000"/>
+                <a:headEnd/>
+                <a:tailEnd/>
+              </a14:hiddenLine>
+            </a:ext>
+            <a:ext uri="{AF507438-7753-43E0-B8FC-AC1667EBCBE1}">
+              <a14:hiddenEffects xmlns:a14="http://schemas.microsoft.com/office/drawing/2010/main">
+                <a:effectLst>
+                  <a:outerShdw dist="35921" dir="2700000" algn="ctr" rotWithShape="0">
+                    <a:srgbClr val="808080"/>
+                  </a:outerShdw>
+                </a:effectLst>
+              </a14:hiddenEffects>
+            </a:ext>
+          </a:extLst>
+        </p:spPr>
+      </p:pic>
+      <p:pic>
+        <p:nvPicPr>
+          <p:cNvPr id="305157" name="Picture 5" descr="296-4"/>
+          <p:cNvPicPr>
+            <a:picLocks noChangeAspect="1" noChangeArrowheads="1"/>
+          </p:cNvPicPr>
+          <p:nvPr/>
+        </p:nvPicPr>
+        <p:blipFill>
+          <a:blip r:embed="rId5">
+            <a:extLst>
+              <a:ext uri="{28A0092B-C50C-407E-A947-70E740481C1C}">
+                <a14:useLocalDpi xmlns:a14="http://schemas.microsoft.com/office/drawing/2010/main" val="0"/>
+              </a:ext>
+            </a:extLst>
+          </a:blip>
+          <a:srcRect/>
+          <a:stretch>
+            <a:fillRect/>
+          </a:stretch>
+        </p:blipFill>
+        <p:spPr bwMode="auto">
+          <a:xfrm>
+            <a:off x="1524000" y="0"/>
+            <a:ext cx="9144000" cy="6165850"/>
+          </a:xfrm>
+          <a:prstGeom prst="rect">
+            <a:avLst/>
+          </a:prstGeom>
+          <a:noFill/>
+          <a:ln>
+            <a:noFill/>
+          </a:ln>
+          <a:effectLst/>
+          <a:extLst>
+            <a:ext uri="{909E8E84-426E-40DD-AFC4-6F175D3DCCD1}">
+              <a14:hiddenFill xmlns:a14="http://schemas.microsoft.com/office/drawing/2010/main">
+                <a:solidFill>
+                  <a:srgbClr val="FFFFFF"/>
+                </a:solidFill>
+              </a14:hiddenFill>
+            </a:ext>
+            <a:ext uri="{91240B29-F687-4F45-9708-019B960494DF}">
+              <a14:hiddenLine xmlns:a14="http://schemas.microsoft.com/office/drawing/2010/main" w="9525">
+                <a:solidFill>
+                  <a:srgbClr val="000000"/>
+                </a:solidFill>
+                <a:miter lim="800000"/>
+                <a:headEnd/>
+                <a:tailEnd/>
+              </a14:hiddenLine>
+            </a:ext>
+            <a:ext uri="{AF507438-7753-43E0-B8FC-AC1667EBCBE1}">
+              <a14:hiddenEffects xmlns:a14="http://schemas.microsoft.com/office/drawing/2010/main">
+                <a:effectLst>
+                  <a:outerShdw dist="35921" dir="2700000" algn="ctr" rotWithShape="0">
+                    <a:srgbClr val="808080"/>
+                  </a:outerShdw>
+                </a:effectLst>
+              </a14:hiddenEffects>
+            </a:ext>
+          </a:extLst>
+        </p:spPr>
+      </p:pic>
     </p:spTree>
   </p:cSld>
   <p:clrMapOvr>
     <a:masterClrMapping/>
   </p:clrMapOvr>
+  <p:timing>
+    <p:tnLst>
+      <p:par>
+        <p:cTn id="1" dur="indefinite" restart="never" nodeType="tmRoot">
+          <p:childTnLst>
+            <p:seq concurrent="1" nextAc="seek">
+              <p:cTn id="2" dur="indefinite" nodeType="mainSeq">
+                <p:childTnLst>
+                  <p:par>
+                    <p:cTn id="3" fill="hold" nodeType="clickPar">
+                      <p:stCondLst>
+                        <p:cond delay="indefinite"/>
+                      </p:stCondLst>
+                      <p:childTnLst>
+                        <p:par>
+                          <p:cTn id="4" fill="hold" nodeType="withGroup">
+                            <p:stCondLst>
+                              <p:cond delay="0"/>
+                            </p:stCondLst>
+                            <p:childTnLst>
+                              <p:par>
+                                <p:cTn id="5" presetID="10" presetClass="entr" presetSubtype="0" fill="hold" nodeType="clickEffect">
+                                  <p:stCondLst>
+                                    <p:cond delay="0"/>
+                                  </p:stCondLst>
+                                  <p:childTnLst>
+                                    <p:set>
+                                      <p:cBhvr>
+                                        <p:cTn id="6" dur="1" fill="hold">
+                                          <p:stCondLst>
+                                            <p:cond delay="0"/>
+                                          </p:stCondLst>
+                                        </p:cTn>
+                                        <p:tgtEl>
+                                          <p:spTgt spid="305155"/>
+                                        </p:tgtEl>
+                                        <p:attrNameLst>
+                                          <p:attrName>style.visibility</p:attrName>
+                                        </p:attrNameLst>
+                                      </p:cBhvr>
+                                      <p:to>
+                                        <p:strVal val="visible"/>
+                                      </p:to>
+                                    </p:set>
+                                    <p:animEffect transition="in" filter="fade">
+                                      <p:cBhvr>
+                                        <p:cTn id="7" dur="500"/>
+                                        <p:tgtEl>
+                                          <p:spTgt spid="305155"/>
+                                        </p:tgtEl>
+                                      </p:cBhvr>
+                                    </p:animEffect>
+                                  </p:childTnLst>
+                                </p:cTn>
+                              </p:par>
+                            </p:childTnLst>
+                          </p:cTn>
+                        </p:par>
+                      </p:childTnLst>
+                    </p:cTn>
+                  </p:par>
+                  <p:par>
+                    <p:cTn id="8" fill="hold" nodeType="clickPar">
+                      <p:stCondLst>
+                        <p:cond delay="indefinite"/>
+                      </p:stCondLst>
+                      <p:childTnLst>
+                        <p:par>
+                          <p:cTn id="9" fill="hold" nodeType="withGroup">
+                            <p:stCondLst>
+                              <p:cond delay="0"/>
+                            </p:stCondLst>
+                            <p:childTnLst>
+                              <p:par>
+                                <p:cTn id="10" presetID="10" presetClass="entr" presetSubtype="0" fill="hold" nodeType="clickEffect">
+                                  <p:stCondLst>
+                                    <p:cond delay="0"/>
+                                  </p:stCondLst>
+                                  <p:childTnLst>
+                                    <p:set>
+                                      <p:cBhvr>
+                                        <p:cTn id="11" dur="1" fill="hold">
+                                          <p:stCondLst>
+                                            <p:cond delay="0"/>
+                                          </p:stCondLst>
+                                        </p:cTn>
+                                        <p:tgtEl>
+                                          <p:spTgt spid="305156"/>
+                                        </p:tgtEl>
+                                        <p:attrNameLst>
+                                          <p:attrName>style.visibility</p:attrName>
+                                        </p:attrNameLst>
+                                      </p:cBhvr>
+                                      <p:to>
+                                        <p:strVal val="visible"/>
+                                      </p:to>
+                                    </p:set>
+                                    <p:animEffect transition="in" filter="fade">
+                                      <p:cBhvr>
+                                        <p:cTn id="12" dur="500"/>
+                                        <p:tgtEl>
+                                          <p:spTgt spid="305156"/>
+                                        </p:tgtEl>
+                                      </p:cBhvr>
+                                    </p:animEffect>
+                                  </p:childTnLst>
+                                </p:cTn>
+                              </p:par>
+                            </p:childTnLst>
+                          </p:cTn>
+                        </p:par>
+                      </p:childTnLst>
+                    </p:cTn>
+                  </p:par>
+                  <p:par>
+                    <p:cTn id="13" fill="hold" nodeType="clickPar">
+                      <p:stCondLst>
+                        <p:cond delay="indefinite"/>
+                      </p:stCondLst>
+                      <p:childTnLst>
+                        <p:par>
+                          <p:cTn id="14" fill="hold" nodeType="withGroup">
+                            <p:stCondLst>
+                              <p:cond delay="0"/>
+                            </p:stCondLst>
+                            <p:childTnLst>
+                              <p:par>
+                                <p:cTn id="15" presetID="10" presetClass="entr" presetSubtype="0" fill="hold" nodeType="clickEffect">
+                                  <p:stCondLst>
+                                    <p:cond delay="0"/>
+                                  </p:stCondLst>
+                                  <p:childTnLst>
+                                    <p:set>
+                                      <p:cBhvr>
+                                        <p:cTn id="16" dur="1" fill="hold">
+                                          <p:stCondLst>
+                                            <p:cond delay="0"/>
+                                          </p:stCondLst>
+                                        </p:cTn>
+                                        <p:tgtEl>
+                                          <p:spTgt spid="305157"/>
+                                        </p:tgtEl>
+                                        <p:attrNameLst>
+                                          <p:attrName>style.visibility</p:attrName>
+                                        </p:attrNameLst>
+                                      </p:cBhvr>
+                                      <p:to>
+                                        <p:strVal val="visible"/>
+                                      </p:to>
+                                    </p:set>
+                                    <p:animEffect transition="in" filter="fade">
+                                      <p:cBhvr>
+                                        <p:cTn id="17" dur="500"/>
+                                        <p:tgtEl>
+                                          <p:spTgt spid="305157"/>
+                                        </p:tgtEl>
+                                      </p:cBhvr>
+                                    </p:animEffect>
+                                  </p:childTnLst>
+                                </p:cTn>
+                              </p:par>
+                            </p:childTnLst>
+                          </p:cTn>
+                        </p:par>
+                      </p:childTnLst>
+                    </p:cTn>
+                  </p:par>
+                </p:childTnLst>
+              </p:cTn>
+              <p:prevCondLst>
+                <p:cond evt="onPrev" delay="0">
+                  <p:tgtEl>
+                    <p:sldTgt/>
+                  </p:tgtEl>
+                </p:cond>
+              </p:prevCondLst>
+              <p:nextCondLst>
+                <p:cond evt="onNext" delay="0">
+                  <p:tgtEl>
+                    <p:sldTgt/>
+                  </p:tgtEl>
+                </p:cond>
+              </p:nextCondLst>
+            </p:seq>
+          </p:childTnLst>
+        </p:cTn>
+      </p:par>
+    </p:tnLst>
+  </p:timing>
 </p:sld>
 </file>
 
